--- a/Report/Presentation.pptx
+++ b/Report/Presentation.pptx
@@ -205,7 +205,7 @@
           <a:p>
             <a:fld id="{AAE725F2-4329-9242-830E-A39B91FD4053}" type="datetimeFigureOut">
               <a:rPr lang="en-US" smtClean="0"/>
-              <a:t>2/2/2023</a:t>
+              <a:t>6/3/2025</a:t>
             </a:fld>
             <a:endParaRPr lang="en-US"/>
           </a:p>
@@ -1283,7 +1283,7 @@
           <a:p>
             <a:fld id="{052D54C6-B589-E740-96D6-95D0E4365F1F}" type="datetimeFigureOut">
               <a:rPr lang="en-US" smtClean="0"/>
-              <a:t>2/2/2023</a:t>
+              <a:t>6/3/2025</a:t>
             </a:fld>
             <a:endParaRPr lang="en-US"/>
           </a:p>
@@ -1534,7 +1534,7 @@
           <a:p>
             <a:fld id="{052D54C6-B589-E740-96D6-95D0E4365F1F}" type="datetimeFigureOut">
               <a:rPr lang="en-US" smtClean="0"/>
-              <a:t>2/2/2023</a:t>
+              <a:t>6/3/2025</a:t>
             </a:fld>
             <a:endParaRPr lang="en-US"/>
           </a:p>
@@ -1848,7 +1848,7 @@
           <a:p>
             <a:fld id="{052D54C6-B589-E740-96D6-95D0E4365F1F}" type="datetimeFigureOut">
               <a:rPr lang="en-US" smtClean="0"/>
-              <a:t>2/2/2023</a:t>
+              <a:t>6/3/2025</a:t>
             </a:fld>
             <a:endParaRPr lang="en-US"/>
           </a:p>
@@ -2175,7 +2175,7 @@
           <a:p>
             <a:fld id="{052D54C6-B589-E740-96D6-95D0E4365F1F}" type="datetimeFigureOut">
               <a:rPr lang="en-US" smtClean="0"/>
-              <a:t>2/2/2023</a:t>
+              <a:t>6/3/2025</a:t>
             </a:fld>
             <a:endParaRPr lang="en-US"/>
           </a:p>
@@ -2489,7 +2489,7 @@
           <a:p>
             <a:fld id="{052D54C6-B589-E740-96D6-95D0E4365F1F}" type="datetimeFigureOut">
               <a:rPr lang="en-US" smtClean="0"/>
-              <a:t>2/2/2023</a:t>
+              <a:t>6/3/2025</a:t>
             </a:fld>
             <a:endParaRPr lang="en-US"/>
           </a:p>
@@ -2876,7 +2876,7 @@
           <a:p>
             <a:fld id="{052D54C6-B589-E740-96D6-95D0E4365F1F}" type="datetimeFigureOut">
               <a:rPr lang="en-US" smtClean="0"/>
-              <a:t>2/2/2023</a:t>
+              <a:t>6/3/2025</a:t>
             </a:fld>
             <a:endParaRPr lang="en-US"/>
           </a:p>
@@ -3046,7 +3046,7 @@
           <a:p>
             <a:fld id="{052D54C6-B589-E740-96D6-95D0E4365F1F}" type="datetimeFigureOut">
               <a:rPr lang="en-US" smtClean="0"/>
-              <a:t>2/2/2023</a:t>
+              <a:t>6/3/2025</a:t>
             </a:fld>
             <a:endParaRPr lang="en-US"/>
           </a:p>
@@ -3226,7 +3226,7 @@
           <a:p>
             <a:fld id="{052D54C6-B589-E740-96D6-95D0E4365F1F}" type="datetimeFigureOut">
               <a:rPr lang="en-US" smtClean="0"/>
-              <a:t>2/2/2023</a:t>
+              <a:t>6/3/2025</a:t>
             </a:fld>
             <a:endParaRPr lang="en-US"/>
           </a:p>
@@ -3396,7 +3396,7 @@
           <a:p>
             <a:fld id="{052D54C6-B589-E740-96D6-95D0E4365F1F}" type="datetimeFigureOut">
               <a:rPr lang="en-US" smtClean="0"/>
-              <a:t>2/2/2023</a:t>
+              <a:t>6/3/2025</a:t>
             </a:fld>
             <a:endParaRPr lang="en-US"/>
           </a:p>
@@ -3643,7 +3643,7 @@
           <a:p>
             <a:fld id="{052D54C6-B589-E740-96D6-95D0E4365F1F}" type="datetimeFigureOut">
               <a:rPr lang="en-US" smtClean="0"/>
-              <a:t>2/2/2023</a:t>
+              <a:t>6/3/2025</a:t>
             </a:fld>
             <a:endParaRPr lang="en-US"/>
           </a:p>
@@ -3875,7 +3875,7 @@
           <a:p>
             <a:fld id="{052D54C6-B589-E740-96D6-95D0E4365F1F}" type="datetimeFigureOut">
               <a:rPr lang="en-US" smtClean="0"/>
-              <a:t>2/2/2023</a:t>
+              <a:t>6/3/2025</a:t>
             </a:fld>
             <a:endParaRPr lang="en-US"/>
           </a:p>
@@ -4249,7 +4249,7 @@
           <a:p>
             <a:fld id="{052D54C6-B589-E740-96D6-95D0E4365F1F}" type="datetimeFigureOut">
               <a:rPr lang="en-US" smtClean="0"/>
-              <a:t>2/2/2023</a:t>
+              <a:t>6/3/2025</a:t>
             </a:fld>
             <a:endParaRPr lang="en-US"/>
           </a:p>
@@ -4372,7 +4372,7 @@
           <a:p>
             <a:fld id="{052D54C6-B589-E740-96D6-95D0E4365F1F}" type="datetimeFigureOut">
               <a:rPr lang="en-US" smtClean="0"/>
-              <a:t>2/2/2023</a:t>
+              <a:t>6/3/2025</a:t>
             </a:fld>
             <a:endParaRPr lang="en-US"/>
           </a:p>
@@ -4467,7 +4467,7 @@
           <a:p>
             <a:fld id="{052D54C6-B589-E740-96D6-95D0E4365F1F}" type="datetimeFigureOut">
               <a:rPr lang="en-US" smtClean="0"/>
-              <a:t>2/2/2023</a:t>
+              <a:t>6/3/2025</a:t>
             </a:fld>
             <a:endParaRPr lang="en-US"/>
           </a:p>
@@ -4722,7 +4722,7 @@
           <a:p>
             <a:fld id="{052D54C6-B589-E740-96D6-95D0E4365F1F}" type="datetimeFigureOut">
               <a:rPr lang="en-US" smtClean="0"/>
-              <a:t>2/2/2023</a:t>
+              <a:t>6/3/2025</a:t>
             </a:fld>
             <a:endParaRPr lang="en-US"/>
           </a:p>
@@ -4985,7 +4985,7 @@
           <a:p>
             <a:fld id="{052D54C6-B589-E740-96D6-95D0E4365F1F}" type="datetimeFigureOut">
               <a:rPr lang="en-US" smtClean="0"/>
-              <a:t>2/2/2023</a:t>
+              <a:t>6/3/2025</a:t>
             </a:fld>
             <a:endParaRPr lang="en-US"/>
           </a:p>
@@ -5730,7 +5730,7 @@
           <a:p>
             <a:fld id="{052D54C6-B589-E740-96D6-95D0E4365F1F}" type="datetimeFigureOut">
               <a:rPr lang="en-US" smtClean="0"/>
-              <a:t>2/2/2023</a:t>
+              <a:t>6/3/2025</a:t>
             </a:fld>
             <a:endParaRPr lang="en-US"/>
           </a:p>
@@ -6516,7 +6516,7 @@
             </a:pPr>
             <a:r>
               <a:rPr lang="en-US" sz="1800" dirty="0"/>
-              <a:t>Submitted By: Abhay Rautela</a:t>
+              <a:t>Submitted By: Akash Sonar (CS3230)</a:t>
             </a:r>
           </a:p>
           <a:p>
@@ -6527,7 +6527,7 @@
             </a:pPr>
             <a:r>
               <a:rPr lang="en-US" sz="1800" dirty="0"/>
-              <a:t>University Roll No: 2018059</a:t>
+              <a:t>	       </a:t>
             </a:r>
           </a:p>
         </p:txBody>
@@ -6731,18 +6731,15 @@
             </a:pPr>
             <a:r>
               <a:rPr lang="en-US" sz="1800" dirty="0"/>
-              <a:t>Submitted To: Ms. Sonali</a:t>
-            </a:r>
-          </a:p>
-          <a:p>
-            <a:pPr algn="l">
-              <a:lnSpc>
-                <a:spcPct val="100000"/>
-              </a:lnSpc>
-            </a:pPr>
+              <a:t>Submitted To: </a:t>
+            </a:r>
+            <a:r>
+              <a:rPr lang="en-US" sz="1800" dirty="0" err="1"/>
+              <a:t>Sughandha</a:t>
+            </a:r>
             <a:r>
               <a:rPr lang="en-US" sz="1800" dirty="0"/>
-              <a:t>Designation: Assistant Professor, GEHU</a:t>
+              <a:t> Mam</a:t>
             </a:r>
           </a:p>
         </p:txBody>
